--- a/pptagent/evaluation/benchmark_ppts/slide_35.pptx
+++ b/pptagent/evaluation/benchmark_ppts/slide_35.pptx
@@ -104,6 +104,11 @@
       </a:defRPr>
     </a:lvl9pPr>
   </p:defaultTextStyle>
+  <p:extLst>
+    <p:ext uri="{EFAFB233-063F-42B5-8137-9DF3F51BA10A}">
+      <p15:sldGuideLst xmlns:p15="http://schemas.microsoft.com/office/powerpoint/2012/main"/>
+    </p:ext>
+  </p:extLst>
 </p:presentation>
 </file>
 
@@ -621,7 +626,7 @@
           <a:p>
             <a:fld id="{F9880A97-BB72-4C49-B020-C005FF9D43B4}" type="datetime1">
               <a:rPr lang="en-US" smtClean="0"/>
-              <a:t>5/7/2025</a:t>
+              <a:t>5/12/2025</a:t>
             </a:fld>
             <a:endParaRPr lang="en-US" dirty="0"/>
           </a:p>
@@ -1301,7 +1306,7 @@
           <a:p>
             <a:fld id="{8B1E16E5-E5E5-4583-9AF7-83D9607A8145}" type="datetime1">
               <a:rPr lang="en-US" smtClean="0"/>
-              <a:t>5/7/2025</a:t>
+              <a:t>5/12/2025</a:t>
             </a:fld>
             <a:endParaRPr lang="en-US" dirty="0"/>
           </a:p>
@@ -1833,7 +1838,7 @@
           <a:p>
             <a:fld id="{0B4AC9CD-0374-4BE7-8481-7982C4A3E9D1}" type="datetime1">
               <a:rPr lang="en-US" smtClean="0"/>
-              <a:t>5/7/2025</a:t>
+              <a:t>5/12/2025</a:t>
             </a:fld>
             <a:endParaRPr lang="en-US" dirty="0"/>
           </a:p>
@@ -2464,7 +2469,7 @@
           <a:p>
             <a:fld id="{222400DF-651A-4479-9C74-9CDA47151016}" type="datetime1">
               <a:rPr lang="en-US" smtClean="0"/>
-              <a:t>5/7/2025</a:t>
+              <a:t>5/12/2025</a:t>
             </a:fld>
             <a:endParaRPr lang="en-US" dirty="0"/>
           </a:p>
@@ -3249,7 +3254,7 @@
           <a:p>
             <a:fld id="{1201FEBF-D140-4633-9B70-3A503CA61AD4}" type="datetime1">
               <a:rPr lang="en-US" smtClean="0"/>
-              <a:t>5/7/2025</a:t>
+              <a:t>5/12/2025</a:t>
             </a:fld>
             <a:endParaRPr lang="en-US" dirty="0"/>
           </a:p>
@@ -4127,7 +4132,7 @@
           <a:p>
             <a:fld id="{B63BE472-3891-4216-B770-F52E53667131}" type="datetime1">
               <a:rPr lang="en-US" smtClean="0"/>
-              <a:t>5/7/2025</a:t>
+              <a:t>5/12/2025</a:t>
             </a:fld>
             <a:endParaRPr lang="en-US" dirty="0"/>
           </a:p>
@@ -4457,7 +4462,7 @@
           <a:p>
             <a:fld id="{92C9618A-2189-4802-BD34-F288EF802528}" type="datetime1">
               <a:rPr lang="en-US" smtClean="0"/>
-              <a:t>5/7/2025</a:t>
+              <a:t>5/12/2025</a:t>
             </a:fld>
             <a:endParaRPr lang="en-US" dirty="0"/>
           </a:p>
@@ -4648,7 +4653,7 @@
           <a:p>
             <a:fld id="{3CA3B387-33D3-4D27-BE27-9B85ACC6AC8A}" type="datetime1">
               <a:rPr lang="en-US" smtClean="0"/>
-              <a:t>5/7/2025</a:t>
+              <a:t>5/12/2025</a:t>
             </a:fld>
             <a:endParaRPr lang="en-US" dirty="0"/>
           </a:p>
@@ -5276,10 +5281,10 @@
       </p:sp>
       <p:sp>
         <p:nvSpPr>
-          <p:cNvPr id="3" name="Content Placeholder 2">
-            <a:extLst>
-              <a:ext uri="{FF2B5EF4-FFF2-40B4-BE49-F238E27FC236}">
-                <a16:creationId xmlns:a16="http://schemas.microsoft.com/office/drawing/2014/main" id="{FACE640F-7F5A-BDB7-205D-765FA80B6796}"/>
+          <p:cNvPr id="5" name="내용 개체 틀 4">
+            <a:extLst>
+              <a:ext uri="{FF2B5EF4-FFF2-40B4-BE49-F238E27FC236}">
+                <a16:creationId xmlns:a16="http://schemas.microsoft.com/office/drawing/2014/main" id="{4D4B971C-4D59-0E83-ACD3-C5EDE3EAC784}"/>
               </a:ext>
             </a:extLst>
           </p:cNvPr>
@@ -5290,100 +5295,169 @@
             <p:ph sz="half" idx="2"/>
           </p:nvPr>
         </p:nvSpPr>
-        <p:spPr>
-          <a:xfrm>
-            <a:off x="598170" y="2800350"/>
-            <a:ext cx="5402580" cy="2904469"/>
-          </a:xfrm>
-          <a:noFill/>
-        </p:spPr>
-        <p:txBody>
-          <a:bodyPr vert="horz" lIns="91440" tIns="45720" rIns="91440" bIns="45720" rtlCol="0" anchor="b">
-            <a:normAutofit fontScale="77500" lnSpcReduction="20000"/>
-          </a:bodyPr>
+        <p:spPr/>
+        <p:txBody>
+          <a:bodyPr/>
           <a:lstStyle/>
           <a:p>
-            <a:r>
-              <a:rPr lang="en-US" dirty="0"/>
-              <a:t>Predictive Engagement</a:t>
-            </a:r>
-          </a:p>
-          <a:p>
-            <a:r>
-              <a:rPr lang="en-US" dirty="0"/>
-              <a:t>Leverage AI to analyze behavioral patterns and predict what content resonates with each customer segment.</a:t>
-            </a:r>
-          </a:p>
-          <a:p>
-            <a:r>
-              <a:rPr lang="en-US" dirty="0"/>
-              <a:t>Personalization increases conversion rates and loyalty.</a:t>
-            </a:r>
-          </a:p>
-          <a:p>
-            <a:endParaRPr lang="en-US" dirty="0"/>
-          </a:p>
-          <a:p>
-            <a:r>
-              <a:rPr lang="en-US" dirty="0"/>
-              <a:t>Influencer Collaboration at Scale</a:t>
-            </a:r>
-          </a:p>
-          <a:p>
-            <a:r>
-              <a:rPr lang="en-US" dirty="0"/>
-              <a:t>Partner with AI-generated influencers or use sentiment analysis to find authentic voices that align with the brand.</a:t>
-            </a:r>
-          </a:p>
-          <a:p>
-            <a:r>
-              <a:rPr lang="en-US" dirty="0"/>
-              <a:t>This amplifies messaging in a data-informed, scalable way.</a:t>
-            </a:r>
-          </a:p>
-        </p:txBody>
-      </p:sp>
-      <p:pic>
-        <p:nvPicPr>
-          <p:cNvPr id="13" name="Online Image Placeholder 9" descr="Women in business meeting">
-            <a:extLst>
-              <a:ext uri="{FF2B5EF4-FFF2-40B4-BE49-F238E27FC236}">
-                <a16:creationId xmlns:a16="http://schemas.microsoft.com/office/drawing/2014/main" id="{ECD12A93-CCA8-9CCE-6BD6-89C28F0822D7}"/>
-              </a:ext>
-            </a:extLst>
-          </p:cNvPr>
-          <p:cNvPicPr>
-            <a:picLocks noGrp="1" noChangeAspect="1"/>
-          </p:cNvPicPr>
+            <a:endParaRPr lang="en-US"/>
+          </a:p>
+        </p:txBody>
+      </p:sp>
+      <p:sp>
+        <p:nvSpPr>
+          <p:cNvPr id="7" name="그림 개체 틀 6">
+            <a:extLst>
+              <a:ext uri="{FF2B5EF4-FFF2-40B4-BE49-F238E27FC236}">
+                <a16:creationId xmlns:a16="http://schemas.microsoft.com/office/drawing/2014/main" id="{018DAA94-5EF6-7182-45D4-023EF256A6FE}"/>
+              </a:ext>
+            </a:extLst>
+          </p:cNvPr>
+          <p:cNvSpPr>
+            <a:spLocks noGrp="1"/>
+          </p:cNvSpPr>
           <p:nvPr>
             <p:ph type="pic" sz="quarter" idx="11"/>
           </p:nvPr>
-        </p:nvPicPr>
-        <p:blipFill>
-          <a:blip r:embed="rId2" cstate="print">
-            <a:duotone>
-              <a:schemeClr val="accent3">
-                <a:shade val="45000"/>
-                <a:satMod val="135000"/>
-              </a:schemeClr>
-              <a:prstClr val="white"/>
-            </a:duotone>
-            <a:extLst>
-              <a:ext uri="{28A0092B-C50C-407E-A947-70E740481C1C}">
-                <a14:useLocalDpi xmlns:a14="http://schemas.microsoft.com/office/drawing/2010/main"/>
-              </a:ext>
-            </a:extLst>
-          </a:blip>
-          <a:srcRect/>
-          <a:stretch/>
-        </p:blipFill>
-        <p:spPr>
-          <a:xfrm>
-            <a:off x="6428012" y="685800"/>
-            <a:ext cx="5070020" cy="5486400"/>
-          </a:xfrm>
-        </p:spPr>
-      </p:pic>
+        </p:nvSpPr>
+        <p:spPr/>
+      </p:sp>
+      <p:sp>
+        <p:nvSpPr>
+          <p:cNvPr id="8" name="TextBox 7">
+            <a:extLst>
+              <a:ext uri="{FF2B5EF4-FFF2-40B4-BE49-F238E27FC236}">
+                <a16:creationId xmlns:a16="http://schemas.microsoft.com/office/drawing/2014/main" id="{67B5D78E-92CE-B3AD-7669-9EE93F3C1DA1}"/>
+              </a:ext>
+            </a:extLst>
+          </p:cNvPr>
+          <p:cNvSpPr txBox="1"/>
+          <p:nvPr/>
+        </p:nvSpPr>
+        <p:spPr>
+          <a:xfrm>
+            <a:off x="6350000" y="3810000"/>
+            <a:ext cx="5334000" cy="1754326"/>
+          </a:xfrm>
+          <a:prstGeom prst="rect">
+            <a:avLst/>
+          </a:prstGeom>
+          <a:noFill/>
+        </p:spPr>
+        <p:txBody>
+          <a:bodyPr vert="horz" rtlCol="0">
+            <a:spAutoFit/>
+          </a:bodyPr>
+          <a:lstStyle/>
+          <a:p>
+            <a:r>
+              <a:rPr lang="en-US"/>
+              <a:t>Predictive Engagement</a:t>
+            </a:r>
+          </a:p>
+          <a:p>
+            <a:r>
+              <a:rPr lang="en-US"/>
+              <a:t>Leverage AI to analyze behavioral patterns and predict what content resonates with each customer segment.</a:t>
+            </a:r>
+          </a:p>
+          <a:p>
+            <a:r>
+              <a:rPr lang="en-US"/>
+              <a:t>Personalization increases conversion rates and loyalty.</a:t>
+            </a:r>
+          </a:p>
+        </p:txBody>
+      </p:sp>
+      <p:sp>
+        <p:nvSpPr>
+          <p:cNvPr id="9" name="TextBox 8">
+            <a:extLst>
+              <a:ext uri="{FF2B5EF4-FFF2-40B4-BE49-F238E27FC236}">
+                <a16:creationId xmlns:a16="http://schemas.microsoft.com/office/drawing/2014/main" id="{8EF8517E-D90A-E50D-C536-132EA28FA76E}"/>
+              </a:ext>
+            </a:extLst>
+          </p:cNvPr>
+          <p:cNvSpPr txBox="1"/>
+          <p:nvPr/>
+        </p:nvSpPr>
+        <p:spPr>
+          <a:xfrm>
+            <a:off x="6350000" y="6350000"/>
+            <a:ext cx="5334000" cy="1754326"/>
+          </a:xfrm>
+          <a:prstGeom prst="rect">
+            <a:avLst/>
+          </a:prstGeom>
+          <a:noFill/>
+        </p:spPr>
+        <p:txBody>
+          <a:bodyPr vert="horz" rtlCol="0">
+            <a:spAutoFit/>
+          </a:bodyPr>
+          <a:lstStyle/>
+          <a:p>
+            <a:r>
+              <a:rPr lang="en-US"/>
+              <a:t>Influencer Collaboration at Scale</a:t>
+            </a:r>
+          </a:p>
+          <a:p>
+            <a:r>
+              <a:rPr lang="en-US"/>
+              <a:t>Partner with AI-generated influencers or use sentiment analysis to find authentic voices that align with the brand.</a:t>
+            </a:r>
+          </a:p>
+          <a:p>
+            <a:r>
+              <a:rPr lang="en-US"/>
+              <a:t>This amplifies messaging in a data-informed, scalable way.</a:t>
+            </a:r>
+          </a:p>
+        </p:txBody>
+      </p:sp>
+      <p:sp>
+        <p:nvSpPr>
+          <p:cNvPr id="10" name="직사각형 9">
+            <a:extLst>
+              <a:ext uri="{FF2B5EF4-FFF2-40B4-BE49-F238E27FC236}">
+                <a16:creationId xmlns:a16="http://schemas.microsoft.com/office/drawing/2014/main" id="{F0F06858-A9A8-9517-E88A-5F549FA0FB91}"/>
+              </a:ext>
+            </a:extLst>
+          </p:cNvPr>
+          <p:cNvSpPr/>
+          <p:nvPr/>
+        </p:nvSpPr>
+        <p:spPr>
+          <a:xfrm>
+            <a:off x="508000" y="3810000"/>
+            <a:ext cx="5334000" cy="2286000"/>
+          </a:xfrm>
+          <a:prstGeom prst="rect">
+            <a:avLst/>
+          </a:prstGeom>
+          <a:solidFill>
+            <a:schemeClr val="bg2"/>
+          </a:solidFill>
+          <a:ln w="12700" cap="flat">
+            <a:noFill/>
+            <a:prstDash val="solid"/>
+            <a:miter/>
+          </a:ln>
+        </p:spPr>
+        <p:txBody>
+          <a:bodyPr rtlCol="0" anchor="ctr"/>
+          <a:lstStyle/>
+          <a:p>
+            <a:pPr algn="l"/>
+            <a:r>
+              <a:rPr lang="en-US"/>
+              <a:t>Insert Image 1 Here</a:t>
+            </a:r>
+            <a:endParaRPr lang="en-US" dirty="0"/>
+          </a:p>
+        </p:txBody>
+      </p:sp>
     </p:spTree>
     <p:extLst>
       <p:ext uri="{BB962C8B-B14F-4D97-AF65-F5344CB8AC3E}">
